--- a/GUIDEXP-Audit1.pptx
+++ b/GUIDEXP-Audit1.pptx
@@ -20156,14 +20156,14 @@
               <a:buChar char="•"/>
             </a:pPr>
             <a:r>
-              <a:rPr lang="zh-CN" sz="2400"/>
+              <a:rPr lang="zh-CN" sz="2400" dirty="0"/>
               <a:t>Last semester -- </a:t>
             </a:r>
             <a:r>
-              <a:rPr lang="zh-CN" sz="1800"/>
+              <a:rPr lang="zh-CN" sz="1800" dirty="0"/>
               <a:t>Main problems that need impovement:</a:t>
             </a:r>
-            <a:endParaRPr sz="1800"/>
+            <a:endParaRPr sz="1800" dirty="0"/>
           </a:p>
           <a:p>
             <a:pPr marL="457200" lvl="0" indent="-342900" algn="l" rtl="0">
@@ -20177,10 +20177,10 @@
               <a:buChar char="•"/>
             </a:pPr>
             <a:r>
-              <a:rPr lang="zh-CN" sz="1800"/>
+              <a:rPr lang="zh-CN" sz="1800" dirty="0"/>
               <a:t>Lack of skills </a:t>
             </a:r>
-            <a:endParaRPr sz="1800"/>
+            <a:endParaRPr sz="1800" dirty="0"/>
           </a:p>
           <a:p>
             <a:pPr marL="457200" lvl="0" indent="-342900" algn="l" rtl="0">
@@ -20194,10 +20194,10 @@
               <a:buChar char="•"/>
             </a:pPr>
             <a:r>
-              <a:rPr lang="zh-CN" sz="1800"/>
+              <a:rPr lang="zh-CN" sz="1800" dirty="0"/>
               <a:t>Less communication</a:t>
             </a:r>
-            <a:endParaRPr sz="1800"/>
+            <a:endParaRPr sz="1800" dirty="0"/>
           </a:p>
           <a:p>
             <a:pPr marL="914400" lvl="0" indent="0" algn="l" rtl="0">
@@ -20210,10 +20210,10 @@
               <a:buNone/>
             </a:pPr>
             <a:r>
-              <a:rPr lang="zh-CN" sz="1800"/>
+              <a:rPr lang="zh-CN" sz="1800" dirty="0"/>
               <a:t>-- More communication with clients and tutor.</a:t>
             </a:r>
-            <a:endParaRPr sz="1800"/>
+            <a:endParaRPr sz="1800" dirty="0"/>
           </a:p>
           <a:p>
             <a:pPr marL="457200" lvl="0" indent="-342900" algn="l" rtl="0">
@@ -20227,10 +20227,10 @@
               <a:buChar char="•"/>
             </a:pPr>
             <a:r>
-              <a:rPr lang="zh-CN" sz="1800"/>
+              <a:rPr lang="zh-CN" sz="1800" dirty="0"/>
               <a:t>Low effetioncy </a:t>
             </a:r>
-            <a:endParaRPr sz="1800"/>
+            <a:endParaRPr sz="1800" dirty="0"/>
           </a:p>
           <a:p>
             <a:pPr marL="914400" lvl="0" indent="0" algn="l" rtl="0">
@@ -20243,10 +20243,10 @@
               <a:buNone/>
             </a:pPr>
             <a:r>
-              <a:rPr lang="zh-CN" sz="1800"/>
+              <a:rPr lang="zh-CN" sz="1800" dirty="0"/>
               <a:t>-- Srum -- Complete the weekly schedule ontime.</a:t>
             </a:r>
-            <a:endParaRPr sz="1800"/>
+            <a:endParaRPr sz="1800" dirty="0"/>
           </a:p>
           <a:p>
             <a:pPr marL="0" lvl="0" indent="0" algn="l" rtl="0">
@@ -20258,7 +20258,7 @@
               </a:spcAft>
               <a:buNone/>
             </a:pPr>
-            <a:endParaRPr sz="1800"/>
+            <a:endParaRPr sz="1800" dirty="0"/>
           </a:p>
         </p:txBody>
       </p:sp>
@@ -20386,7 +20386,7 @@
         </p:blipFill>
         <p:spPr>
           <a:xfrm rot="5400000">
-            <a:off x="5417507" y="1591205"/>
+            <a:off x="5185093" y="1829161"/>
             <a:ext cx="3436663" cy="2579377"/>
           </a:xfrm>
           <a:prstGeom prst="rect">
